--- a/presentation.pptx
+++ b/presentation.pptx
@@ -10,11 +10,13 @@
     <p:sldId id="258" r:id="rId4"/>
     <p:sldId id="259" r:id="rId5"/>
     <p:sldId id="260" r:id="rId6"/>
-    <p:sldId id="261" r:id="rId7"/>
-    <p:sldId id="262" r:id="rId8"/>
-    <p:sldId id="263" r:id="rId9"/>
-    <p:sldId id="264" r:id="rId10"/>
-    <p:sldId id="265" r:id="rId11"/>
+    <p:sldId id="266" r:id="rId7"/>
+    <p:sldId id="267" r:id="rId8"/>
+    <p:sldId id="261" r:id="rId9"/>
+    <p:sldId id="262" r:id="rId10"/>
+    <p:sldId id="263" r:id="rId11"/>
+    <p:sldId id="264" r:id="rId12"/>
+    <p:sldId id="265" r:id="rId13"/>
   </p:sldIdLst>
   <p:sldSz cx="12192000" cy="6858000"/>
   <p:notesSz cx="6858000" cy="9144000"/>
@@ -113,6 +115,11 @@
       </a:defRPr>
     </a:lvl9pPr>
   </p:defaultTextStyle>
+  <p:extLst>
+    <p:ext uri="{EFAFB233-063F-42B5-8137-9DF3F51BA10A}">
+      <p15:sldGuideLst xmlns:p15="http://schemas.microsoft.com/office/powerpoint/2012/main"/>
+    </p:ext>
+  </p:extLst>
 </p:presentation>
 </file>
 
@@ -330,7 +337,7 @@
             <a:fld id="{B61BEF0D-F0BB-DE4B-95CE-6DB70DBA9567}" type="datetimeFigureOut">
               <a:rPr lang="en-US" dirty="0"/>
               <a:pPr/>
-              <a:t>11/28/2015</a:t>
+              <a:t>11/30/2015</a:t>
             </a:fld>
             <a:endParaRPr lang="en-US" dirty="0"/>
           </a:p>
@@ -618,7 +625,7 @@
             <a:fld id="{B61BEF0D-F0BB-DE4B-95CE-6DB70DBA9567}" type="datetimeFigureOut">
               <a:rPr lang="en-US" dirty="0"/>
               <a:pPr/>
-              <a:t>11/28/2015</a:t>
+              <a:t>11/30/2015</a:t>
             </a:fld>
             <a:endParaRPr lang="en-US" dirty="0"/>
           </a:p>
@@ -874,7 +881,7 @@
             <a:fld id="{B61BEF0D-F0BB-DE4B-95CE-6DB70DBA9567}" type="datetimeFigureOut">
               <a:rPr lang="en-US" dirty="0"/>
               <a:pPr/>
-              <a:t>11/28/2015</a:t>
+              <a:t>11/30/2015</a:t>
             </a:fld>
             <a:endParaRPr lang="en-US" dirty="0"/>
           </a:p>
@@ -1340,7 +1347,7 @@
             <a:fld id="{B61BEF0D-F0BB-DE4B-95CE-6DB70DBA9567}" type="datetimeFigureOut">
               <a:rPr lang="en-US" dirty="0"/>
               <a:pPr/>
-              <a:t>11/28/2015</a:t>
+              <a:t>11/30/2015</a:t>
             </a:fld>
             <a:endParaRPr lang="en-US" dirty="0"/>
           </a:p>
@@ -1517,7 +1524,7 @@
             <a:fld id="{B61BEF0D-F0BB-DE4B-95CE-6DB70DBA9567}" type="datetimeFigureOut">
               <a:rPr lang="en-US" dirty="0"/>
               <a:pPr/>
-              <a:t>11/28/2015</a:t>
+              <a:t>11/30/2015</a:t>
             </a:fld>
             <a:endParaRPr lang="en-US" dirty="0"/>
           </a:p>
@@ -2090,7 +2097,7 @@
             <a:fld id="{B61BEF0D-F0BB-DE4B-95CE-6DB70DBA9567}" type="datetimeFigureOut">
               <a:rPr lang="en-US" dirty="0"/>
               <a:pPr/>
-              <a:t>11/28/2015</a:t>
+              <a:t>11/30/2015</a:t>
             </a:fld>
             <a:endParaRPr lang="en-US" dirty="0"/>
           </a:p>
@@ -2419,7 +2426,7 @@
             <a:fld id="{B61BEF0D-F0BB-DE4B-95CE-6DB70DBA9567}" type="datetimeFigureOut">
               <a:rPr lang="en-US" dirty="0"/>
               <a:pPr/>
-              <a:t>11/28/2015</a:t>
+              <a:t>11/30/2015</a:t>
             </a:fld>
             <a:endParaRPr lang="en-US" dirty="0"/>
           </a:p>
@@ -2591,7 +2598,7 @@
             <a:fld id="{B61BEF0D-F0BB-DE4B-95CE-6DB70DBA9567}" type="datetimeFigureOut">
               <a:rPr lang="en-US" dirty="0"/>
               <a:pPr/>
-              <a:t>11/28/2015</a:t>
+              <a:t>11/30/2015</a:t>
             </a:fld>
             <a:endParaRPr lang="en-US" dirty="0"/>
           </a:p>
@@ -2768,7 +2775,7 @@
             <a:fld id="{B61BEF0D-F0BB-DE4B-95CE-6DB70DBA9567}" type="datetimeFigureOut">
               <a:rPr lang="en-US" dirty="0"/>
               <a:pPr/>
-              <a:t>11/28/2015</a:t>
+              <a:t>11/30/2015</a:t>
             </a:fld>
             <a:endParaRPr lang="en-US" dirty="0"/>
           </a:p>
@@ -2935,7 +2942,7 @@
             <a:fld id="{B61BEF0D-F0BB-DE4B-95CE-6DB70DBA9567}" type="datetimeFigureOut">
               <a:rPr lang="en-US" dirty="0"/>
               <a:pPr/>
-              <a:t>11/28/2015</a:t>
+              <a:t>11/30/2015</a:t>
             </a:fld>
             <a:endParaRPr lang="en-US" dirty="0"/>
           </a:p>
@@ -3189,7 +3196,7 @@
             <a:fld id="{B61BEF0D-F0BB-DE4B-95CE-6DB70DBA9567}" type="datetimeFigureOut">
               <a:rPr lang="en-US" dirty="0"/>
               <a:pPr/>
-              <a:t>11/28/2015</a:t>
+              <a:t>11/30/2015</a:t>
             </a:fld>
             <a:endParaRPr lang="en-US" dirty="0"/>
           </a:p>
@@ -3478,7 +3485,7 @@
             <a:fld id="{B61BEF0D-F0BB-DE4B-95CE-6DB70DBA9567}" type="datetimeFigureOut">
               <a:rPr lang="en-US" dirty="0"/>
               <a:pPr/>
-              <a:t>11/28/2015</a:t>
+              <a:t>11/30/2015</a:t>
             </a:fld>
             <a:endParaRPr lang="en-US" dirty="0"/>
           </a:p>
@@ -3905,7 +3912,7 @@
             <a:fld id="{B61BEF0D-F0BB-DE4B-95CE-6DB70DBA9567}" type="datetimeFigureOut">
               <a:rPr lang="en-US" dirty="0"/>
               <a:pPr/>
-              <a:t>11/28/2015</a:t>
+              <a:t>11/30/2015</a:t>
             </a:fld>
             <a:endParaRPr lang="en-US" dirty="0"/>
           </a:p>
@@ -4020,7 +4027,7 @@
             <a:fld id="{B61BEF0D-F0BB-DE4B-95CE-6DB70DBA9567}" type="datetimeFigureOut">
               <a:rPr lang="en-US" dirty="0"/>
               <a:pPr/>
-              <a:t>11/28/2015</a:t>
+              <a:t>11/30/2015</a:t>
             </a:fld>
             <a:endParaRPr lang="en-US" dirty="0"/>
           </a:p>
@@ -4112,7 +4119,7 @@
             <a:fld id="{B61BEF0D-F0BB-DE4B-95CE-6DB70DBA9567}" type="datetimeFigureOut">
               <a:rPr lang="en-US" dirty="0"/>
               <a:pPr/>
-              <a:t>11/28/2015</a:t>
+              <a:t>11/30/2015</a:t>
             </a:fld>
             <a:endParaRPr lang="en-US" dirty="0"/>
           </a:p>
@@ -4392,7 +4399,7 @@
             <a:fld id="{B61BEF0D-F0BB-DE4B-95CE-6DB70DBA9567}" type="datetimeFigureOut">
               <a:rPr lang="en-US" dirty="0"/>
               <a:pPr/>
-              <a:t>11/28/2015</a:t>
+              <a:t>11/30/2015</a:t>
             </a:fld>
             <a:endParaRPr lang="en-US" dirty="0"/>
           </a:p>
@@ -4680,7 +4687,7 @@
             <a:fld id="{B61BEF0D-F0BB-DE4B-95CE-6DB70DBA9567}" type="datetimeFigureOut">
               <a:rPr lang="en-US" dirty="0"/>
               <a:pPr/>
-              <a:t>11/28/2015</a:t>
+              <a:t>11/30/2015</a:t>
             </a:fld>
             <a:endParaRPr lang="en-US" dirty="0"/>
           </a:p>
@@ -4908,7 +4915,7 @@
             <a:fld id="{B61BEF0D-F0BB-DE4B-95CE-6DB70DBA9567}" type="datetimeFigureOut">
               <a:rPr lang="en-US" dirty="0"/>
               <a:pPr/>
-              <a:t>11/28/2015</a:t>
+              <a:t>11/30/2015</a:t>
             </a:fld>
             <a:endParaRPr lang="en-US" dirty="0"/>
           </a:p>
@@ -5772,6 +5779,200 @@
           <a:lstStyle/>
           <a:p>
             <a:r>
+              <a:rPr lang="en-CA" dirty="0" smtClean="0"/>
+              <a:t>Demonstration</a:t>
+            </a:r>
+            <a:endParaRPr lang="en-CA" dirty="0"/>
+          </a:p>
+        </p:txBody>
+      </p:sp>
+      <p:sp>
+        <p:nvSpPr>
+          <p:cNvPr id="4" name="Text Placeholder 3"/>
+          <p:cNvSpPr>
+            <a:spLocks noGrp="1"/>
+          </p:cNvSpPr>
+          <p:nvPr>
+            <p:ph type="body" idx="1"/>
+          </p:nvPr>
+        </p:nvSpPr>
+        <p:spPr/>
+        <p:txBody>
+          <a:bodyPr/>
+          <a:lstStyle/>
+          <a:p>
+            <a:endParaRPr lang="en-CA" dirty="0"/>
+          </a:p>
+        </p:txBody>
+      </p:sp>
+    </p:spTree>
+    <p:extLst>
+      <p:ext uri="{BB962C8B-B14F-4D97-AF65-F5344CB8AC3E}">
+        <p14:creationId xmlns:p14="http://schemas.microsoft.com/office/powerpoint/2010/main" val="1587052955"/>
+      </p:ext>
+    </p:extLst>
+  </p:cSld>
+  <p:clrMapOvr>
+    <a:masterClrMapping/>
+  </p:clrMapOvr>
+  <p:timing>
+    <p:tnLst>
+      <p:par>
+        <p:cTn id="1" dur="indefinite" restart="never" nodeType="tmRoot"/>
+      </p:par>
+    </p:tnLst>
+  </p:timing>
+</p:sld>
+</file>
+
+<file path=ppt/slides/slide11.xml><?xml version="1.0" encoding="utf-8"?>
+<p:sld xmlns:a="http://schemas.openxmlformats.org/drawingml/2006/main" xmlns:r="http://schemas.openxmlformats.org/officeDocument/2006/relationships" xmlns:p="http://schemas.openxmlformats.org/presentationml/2006/main">
+  <p:cSld>
+    <p:spTree>
+      <p:nvGrpSpPr>
+        <p:cNvPr id="1" name=""/>
+        <p:cNvGrpSpPr/>
+        <p:nvPr/>
+      </p:nvGrpSpPr>
+      <p:grpSpPr>
+        <a:xfrm>
+          <a:off x="0" y="0"/>
+          <a:ext cx="0" cy="0"/>
+          <a:chOff x="0" y="0"/>
+          <a:chExt cx="0" cy="0"/>
+        </a:xfrm>
+      </p:grpSpPr>
+      <p:sp>
+        <p:nvSpPr>
+          <p:cNvPr id="7" name="Title 6"/>
+          <p:cNvSpPr>
+            <a:spLocks noGrp="1"/>
+          </p:cNvSpPr>
+          <p:nvPr>
+            <p:ph type="title"/>
+          </p:nvPr>
+        </p:nvSpPr>
+        <p:spPr/>
+        <p:txBody>
+          <a:bodyPr/>
+          <a:lstStyle/>
+          <a:p>
+            <a:r>
+              <a:rPr lang="en-CA" dirty="0" smtClean="0"/>
+              <a:t>Concluding thoughts</a:t>
+            </a:r>
+            <a:endParaRPr lang="en-CA" dirty="0"/>
+          </a:p>
+        </p:txBody>
+      </p:sp>
+      <p:sp>
+        <p:nvSpPr>
+          <p:cNvPr id="8" name="Content Placeholder 7"/>
+          <p:cNvSpPr>
+            <a:spLocks noGrp="1"/>
+          </p:cNvSpPr>
+          <p:nvPr>
+            <p:ph idx="1"/>
+          </p:nvPr>
+        </p:nvSpPr>
+        <p:spPr/>
+        <p:txBody>
+          <a:bodyPr/>
+          <a:lstStyle/>
+          <a:p>
+            <a:r>
+              <a:rPr lang="en-CA" dirty="0" smtClean="0"/>
+              <a:t>Scalability Issues</a:t>
+            </a:r>
+          </a:p>
+          <a:p>
+            <a:pPr lvl="1"/>
+            <a:r>
+              <a:rPr lang="en-CA" dirty="0" smtClean="0"/>
+              <a:t>Message Queues</a:t>
+            </a:r>
+          </a:p>
+          <a:p>
+            <a:pPr lvl="1"/>
+            <a:r>
+              <a:rPr lang="en-CA" dirty="0" smtClean="0"/>
+              <a:t>Replication</a:t>
+            </a:r>
+          </a:p>
+          <a:p>
+            <a:r>
+              <a:rPr lang="en-CA" dirty="0" smtClean="0"/>
+              <a:t>Integration Issues</a:t>
+            </a:r>
+          </a:p>
+          <a:p>
+            <a:pPr lvl="1"/>
+            <a:r>
+              <a:rPr lang="en-CA" dirty="0" smtClean="0"/>
+              <a:t>Co-operation with Valve</a:t>
+            </a:r>
+          </a:p>
+          <a:p>
+            <a:pPr marL="457200" lvl="1" indent="0">
+              <a:buNone/>
+            </a:pPr>
+            <a:endParaRPr lang="en-CA" dirty="0"/>
+          </a:p>
+        </p:txBody>
+      </p:sp>
+    </p:spTree>
+    <p:extLst>
+      <p:ext uri="{BB962C8B-B14F-4D97-AF65-F5344CB8AC3E}">
+        <p14:creationId xmlns:p14="http://schemas.microsoft.com/office/powerpoint/2010/main" val="2495227779"/>
+      </p:ext>
+    </p:extLst>
+  </p:cSld>
+  <p:clrMapOvr>
+    <a:masterClrMapping/>
+  </p:clrMapOvr>
+  <p:timing>
+    <p:tnLst>
+      <p:par>
+        <p:cTn id="1" dur="indefinite" restart="never" nodeType="tmRoot"/>
+      </p:par>
+    </p:tnLst>
+  </p:timing>
+</p:sld>
+</file>
+
+<file path=ppt/slides/slide12.xml><?xml version="1.0" encoding="utf-8"?>
+<p:sld xmlns:a="http://schemas.openxmlformats.org/drawingml/2006/main" xmlns:r="http://schemas.openxmlformats.org/officeDocument/2006/relationships" xmlns:p="http://schemas.openxmlformats.org/presentationml/2006/main">
+  <p:cSld>
+    <p:spTree>
+      <p:nvGrpSpPr>
+        <p:cNvPr id="1" name=""/>
+        <p:cNvGrpSpPr/>
+        <p:nvPr/>
+      </p:nvGrpSpPr>
+      <p:grpSpPr>
+        <a:xfrm>
+          <a:off x="0" y="0"/>
+          <a:ext cx="0" cy="0"/>
+          <a:chOff x="0" y="0"/>
+          <a:chExt cx="0" cy="0"/>
+        </a:xfrm>
+      </p:grpSpPr>
+      <p:sp>
+        <p:nvSpPr>
+          <p:cNvPr id="2" name="Title 1"/>
+          <p:cNvSpPr>
+            <a:spLocks noGrp="1"/>
+          </p:cNvSpPr>
+          <p:nvPr>
+            <p:ph type="title"/>
+          </p:nvPr>
+        </p:nvSpPr>
+        <p:spPr/>
+        <p:txBody>
+          <a:bodyPr/>
+          <a:lstStyle/>
+          <a:p>
+            <a:r>
               <a:rPr lang="en-CA" dirty="0"/>
               <a:t>Questions? ( ͡°( ͡° ͜ʖ( ͡° ͜ʖ ͡°)ʖ ͡°) ͡°)</a:t>
             </a:r>
@@ -6418,6 +6619,128 @@
           <a:chExt cx="0" cy="0"/>
         </a:xfrm>
       </p:grpSpPr>
+      <p:pic>
+        <p:nvPicPr>
+          <p:cNvPr id="5" name="Picture 4"/>
+          <p:cNvPicPr>
+            <a:picLocks noChangeAspect="1"/>
+          </p:cNvPicPr>
+          <p:nvPr/>
+        </p:nvPicPr>
+        <p:blipFill>
+          <a:blip r:embed="rId2"/>
+          <a:stretch>
+            <a:fillRect/>
+          </a:stretch>
+        </p:blipFill>
+        <p:spPr>
+          <a:xfrm>
+            <a:off x="2940710" y="657441"/>
+            <a:ext cx="6101258" cy="5413069"/>
+          </a:xfrm>
+          <a:prstGeom prst="rect">
+            <a:avLst/>
+          </a:prstGeom>
+        </p:spPr>
+      </p:pic>
+    </p:spTree>
+    <p:extLst>
+      <p:ext uri="{BB962C8B-B14F-4D97-AF65-F5344CB8AC3E}">
+        <p14:creationId xmlns:p14="http://schemas.microsoft.com/office/powerpoint/2010/main" val="3648720646"/>
+      </p:ext>
+    </p:extLst>
+  </p:cSld>
+  <p:clrMapOvr>
+    <a:masterClrMapping/>
+  </p:clrMapOvr>
+  <p:timing>
+    <p:tnLst>
+      <p:par>
+        <p:cTn id="1" dur="indefinite" restart="never" nodeType="tmRoot"/>
+      </p:par>
+    </p:tnLst>
+  </p:timing>
+</p:sld>
+</file>
+
+<file path=ppt/slides/slide7.xml><?xml version="1.0" encoding="utf-8"?>
+<p:sld xmlns:a="http://schemas.openxmlformats.org/drawingml/2006/main" xmlns:r="http://schemas.openxmlformats.org/officeDocument/2006/relationships" xmlns:p="http://schemas.openxmlformats.org/presentationml/2006/main">
+  <p:cSld>
+    <p:spTree>
+      <p:nvGrpSpPr>
+        <p:cNvPr id="1" name=""/>
+        <p:cNvGrpSpPr/>
+        <p:nvPr/>
+      </p:nvGrpSpPr>
+      <p:grpSpPr>
+        <a:xfrm>
+          <a:off x="0" y="0"/>
+          <a:ext cx="0" cy="0"/>
+          <a:chOff x="0" y="0"/>
+          <a:chExt cx="0" cy="0"/>
+        </a:xfrm>
+      </p:grpSpPr>
+      <p:pic>
+        <p:nvPicPr>
+          <p:cNvPr id="4" name="Picture 3"/>
+          <p:cNvPicPr>
+            <a:picLocks noChangeAspect="1"/>
+          </p:cNvPicPr>
+          <p:nvPr/>
+        </p:nvPicPr>
+        <p:blipFill>
+          <a:blip r:embed="rId2"/>
+          <a:stretch>
+            <a:fillRect/>
+          </a:stretch>
+        </p:blipFill>
+        <p:spPr>
+          <a:xfrm>
+            <a:off x="-1933575" y="-3143250"/>
+            <a:ext cx="16059150" cy="13144500"/>
+          </a:xfrm>
+          <a:prstGeom prst="rect">
+            <a:avLst/>
+          </a:prstGeom>
+        </p:spPr>
+      </p:pic>
+    </p:spTree>
+    <p:extLst>
+      <p:ext uri="{BB962C8B-B14F-4D97-AF65-F5344CB8AC3E}">
+        <p14:creationId xmlns:p14="http://schemas.microsoft.com/office/powerpoint/2010/main" val="432032698"/>
+      </p:ext>
+    </p:extLst>
+  </p:cSld>
+  <p:clrMapOvr>
+    <a:masterClrMapping/>
+  </p:clrMapOvr>
+  <p:timing>
+    <p:tnLst>
+      <p:par>
+        <p:cTn id="1" dur="indefinite" restart="never" nodeType="tmRoot"/>
+      </p:par>
+    </p:tnLst>
+  </p:timing>
+</p:sld>
+</file>
+
+<file path=ppt/slides/slide8.xml><?xml version="1.0" encoding="utf-8"?>
+<p:sld xmlns:a="http://schemas.openxmlformats.org/drawingml/2006/main" xmlns:r="http://schemas.openxmlformats.org/officeDocument/2006/relationships" xmlns:p="http://schemas.openxmlformats.org/presentationml/2006/main">
+  <p:cSld>
+    <p:spTree>
+      <p:nvGrpSpPr>
+        <p:cNvPr id="1" name=""/>
+        <p:cNvGrpSpPr/>
+        <p:nvPr/>
+      </p:nvGrpSpPr>
+      <p:grpSpPr>
+        <a:xfrm>
+          <a:off x="0" y="0"/>
+          <a:ext cx="0" cy="0"/>
+          <a:chOff x="0" y="0"/>
+          <a:chExt cx="0" cy="0"/>
+        </a:xfrm>
+      </p:grpSpPr>
       <p:sp>
         <p:nvSpPr>
           <p:cNvPr id="2" name="Title 1"/>
@@ -6492,217 +6815,6 @@
 </p:sld>
 </file>
 
-<file path=ppt/slides/slide7.xml><?xml version="1.0" encoding="utf-8"?>
-<p:sld xmlns:a="http://schemas.openxmlformats.org/drawingml/2006/main" xmlns:r="http://schemas.openxmlformats.org/officeDocument/2006/relationships" xmlns:p="http://schemas.openxmlformats.org/presentationml/2006/main">
-  <p:cSld>
-    <p:spTree>
-      <p:nvGrpSpPr>
-        <p:cNvPr id="1" name=""/>
-        <p:cNvGrpSpPr/>
-        <p:nvPr/>
-      </p:nvGrpSpPr>
-      <p:grpSpPr>
-        <a:xfrm>
-          <a:off x="0" y="0"/>
-          <a:ext cx="0" cy="0"/>
-          <a:chOff x="0" y="0"/>
-          <a:chExt cx="0" cy="0"/>
-        </a:xfrm>
-      </p:grpSpPr>
-      <p:sp>
-        <p:nvSpPr>
-          <p:cNvPr id="2" name="Title 1"/>
-          <p:cNvSpPr>
-            <a:spLocks noGrp="1"/>
-          </p:cNvSpPr>
-          <p:nvPr>
-            <p:ph type="title"/>
-          </p:nvPr>
-        </p:nvSpPr>
-        <p:spPr>
-          <a:xfrm>
-            <a:off x="1141413" y="609600"/>
-            <a:ext cx="9905998" cy="1203960"/>
-          </a:xfrm>
-        </p:spPr>
-        <p:txBody>
-          <a:bodyPr/>
-          <a:lstStyle/>
-          <a:p>
-            <a:r>
-              <a:rPr lang="en-CA" dirty="0" smtClean="0"/>
-              <a:t>Final Solution</a:t>
-            </a:r>
-            <a:endParaRPr lang="en-CA" dirty="0"/>
-          </a:p>
-        </p:txBody>
-      </p:sp>
-      <p:sp>
-        <p:nvSpPr>
-          <p:cNvPr id="3" name="Content Placeholder 2"/>
-          <p:cNvSpPr>
-            <a:spLocks noGrp="1"/>
-          </p:cNvSpPr>
-          <p:nvPr>
-            <p:ph idx="1"/>
-          </p:nvPr>
-        </p:nvSpPr>
-        <p:spPr>
-          <a:xfrm>
-            <a:off x="1141413" y="1615441"/>
-            <a:ext cx="9905998" cy="4175760"/>
-          </a:xfrm>
-        </p:spPr>
-        <p:txBody>
-          <a:bodyPr/>
-          <a:lstStyle/>
-          <a:p>
-            <a:r>
-              <a:rPr lang="en-CA" dirty="0" smtClean="0"/>
-              <a:t>Small changes made from proposed solution</a:t>
-            </a:r>
-          </a:p>
-          <a:p>
-            <a:r>
-              <a:rPr lang="en-CA" dirty="0" smtClean="0"/>
-              <a:t>TCP vs Message Queue</a:t>
-            </a:r>
-          </a:p>
-          <a:p>
-            <a:pPr lvl="1"/>
-            <a:r>
-              <a:rPr lang="en-CA" dirty="0" smtClean="0"/>
-              <a:t>Request Response Queues</a:t>
-            </a:r>
-          </a:p>
-          <a:p>
-            <a:r>
-              <a:rPr lang="en-CA" dirty="0" smtClean="0"/>
-              <a:t>Sharing requests</a:t>
-            </a:r>
-          </a:p>
-          <a:p>
-            <a:pPr lvl="1"/>
-            <a:r>
-              <a:rPr lang="en-CA" dirty="0" smtClean="0"/>
-              <a:t>User 1 asks server to share game</a:t>
-            </a:r>
-          </a:p>
-          <a:p>
-            <a:pPr lvl="1"/>
-            <a:r>
-              <a:rPr lang="en-CA" dirty="0" smtClean="0"/>
-              <a:t>Server notifies User 1 &amp; 2</a:t>
-            </a:r>
-          </a:p>
-          <a:p>
-            <a:pPr lvl="1"/>
-            <a:r>
-              <a:rPr lang="en-CA" dirty="0" smtClean="0"/>
-              <a:t>TCP connection establishes between User 1 &amp; 2</a:t>
-            </a:r>
-          </a:p>
-        </p:txBody>
-      </p:sp>
-    </p:spTree>
-    <p:extLst>
-      <p:ext uri="{BB962C8B-B14F-4D97-AF65-F5344CB8AC3E}">
-        <p14:creationId xmlns:p14="http://schemas.microsoft.com/office/powerpoint/2010/main" val="2152890128"/>
-      </p:ext>
-    </p:extLst>
-  </p:cSld>
-  <p:clrMapOvr>
-    <a:masterClrMapping/>
-  </p:clrMapOvr>
-  <p:timing>
-    <p:tnLst>
-      <p:par>
-        <p:cTn id="1" dur="indefinite" restart="never" nodeType="tmRoot"/>
-      </p:par>
-    </p:tnLst>
-  </p:timing>
-</p:sld>
-</file>
-
-<file path=ppt/slides/slide8.xml><?xml version="1.0" encoding="utf-8"?>
-<p:sld xmlns:a="http://schemas.openxmlformats.org/drawingml/2006/main" xmlns:r="http://schemas.openxmlformats.org/officeDocument/2006/relationships" xmlns:p="http://schemas.openxmlformats.org/presentationml/2006/main">
-  <p:cSld>
-    <p:spTree>
-      <p:nvGrpSpPr>
-        <p:cNvPr id="1" name=""/>
-        <p:cNvGrpSpPr/>
-        <p:nvPr/>
-      </p:nvGrpSpPr>
-      <p:grpSpPr>
-        <a:xfrm>
-          <a:off x="0" y="0"/>
-          <a:ext cx="0" cy="0"/>
-          <a:chOff x="0" y="0"/>
-          <a:chExt cx="0" cy="0"/>
-        </a:xfrm>
-      </p:grpSpPr>
-      <p:sp>
-        <p:nvSpPr>
-          <p:cNvPr id="2" name="Title 1"/>
-          <p:cNvSpPr>
-            <a:spLocks noGrp="1"/>
-          </p:cNvSpPr>
-          <p:nvPr>
-            <p:ph type="title"/>
-          </p:nvPr>
-        </p:nvSpPr>
-        <p:spPr/>
-        <p:txBody>
-          <a:bodyPr/>
-          <a:lstStyle/>
-          <a:p>
-            <a:r>
-              <a:rPr lang="en-CA" dirty="0" smtClean="0"/>
-              <a:t>Demonstration</a:t>
-            </a:r>
-            <a:endParaRPr lang="en-CA" dirty="0"/>
-          </a:p>
-        </p:txBody>
-      </p:sp>
-      <p:sp>
-        <p:nvSpPr>
-          <p:cNvPr id="4" name="Text Placeholder 3"/>
-          <p:cNvSpPr>
-            <a:spLocks noGrp="1"/>
-          </p:cNvSpPr>
-          <p:nvPr>
-            <p:ph type="body" idx="1"/>
-          </p:nvPr>
-        </p:nvSpPr>
-        <p:spPr/>
-        <p:txBody>
-          <a:bodyPr/>
-          <a:lstStyle/>
-          <a:p>
-            <a:endParaRPr lang="en-CA" dirty="0"/>
-          </a:p>
-        </p:txBody>
-      </p:sp>
-    </p:spTree>
-    <p:extLst>
-      <p:ext uri="{BB962C8B-B14F-4D97-AF65-F5344CB8AC3E}">
-        <p14:creationId xmlns:p14="http://schemas.microsoft.com/office/powerpoint/2010/main" val="1587052955"/>
-      </p:ext>
-    </p:extLst>
-  </p:cSld>
-  <p:clrMapOvr>
-    <a:masterClrMapping/>
-  </p:clrMapOvr>
-  <p:timing>
-    <p:tnLst>
-      <p:par>
-        <p:cTn id="1" dur="indefinite" restart="never" nodeType="tmRoot"/>
-      </p:par>
-    </p:tnLst>
-  </p:timing>
-</p:sld>
-</file>
-
 <file path=ppt/slides/slide9.xml><?xml version="1.0" encoding="utf-8"?>
 <p:sld xmlns:a="http://schemas.openxmlformats.org/drawingml/2006/main" xmlns:r="http://schemas.openxmlformats.org/officeDocument/2006/relationships" xmlns:p="http://schemas.openxmlformats.org/presentationml/2006/main">
   <p:cSld>
@@ -6722,7 +6834,7 @@
       </p:grpSpPr>
       <p:sp>
         <p:nvSpPr>
-          <p:cNvPr id="7" name="Title 6"/>
+          <p:cNvPr id="2" name="Title 1"/>
           <p:cNvSpPr>
             <a:spLocks noGrp="1"/>
           </p:cNvSpPr>
@@ -6730,14 +6842,19 @@
             <p:ph type="title"/>
           </p:nvPr>
         </p:nvSpPr>
-        <p:spPr/>
+        <p:spPr>
+          <a:xfrm>
+            <a:off x="1141413" y="609600"/>
+            <a:ext cx="9905998" cy="1203960"/>
+          </a:xfrm>
+        </p:spPr>
         <p:txBody>
           <a:bodyPr/>
           <a:lstStyle/>
           <a:p>
             <a:r>
               <a:rPr lang="en-CA" dirty="0" smtClean="0"/>
-              <a:t>Concluding thoughts</a:t>
+              <a:t>Final Solution</a:t>
             </a:r>
             <a:endParaRPr lang="en-CA" dirty="0"/>
           </a:p>
@@ -6745,7 +6862,7 @@
       </p:sp>
       <p:sp>
         <p:nvSpPr>
-          <p:cNvPr id="8" name="Content Placeholder 7"/>
+          <p:cNvPr id="3" name="Content Placeholder 2"/>
           <p:cNvSpPr>
             <a:spLocks noGrp="1"/>
           </p:cNvSpPr>
@@ -6753,55 +6870,67 @@
             <p:ph idx="1"/>
           </p:nvPr>
         </p:nvSpPr>
-        <p:spPr/>
+        <p:spPr>
+          <a:xfrm>
+            <a:off x="1141413" y="1615441"/>
+            <a:ext cx="9905998" cy="4175760"/>
+          </a:xfrm>
+        </p:spPr>
         <p:txBody>
           <a:bodyPr/>
           <a:lstStyle/>
           <a:p>
             <a:r>
               <a:rPr lang="en-CA" dirty="0" smtClean="0"/>
-              <a:t>Scalability Issues</a:t>
+              <a:t>Small changes made from proposed solution</a:t>
+            </a:r>
+          </a:p>
+          <a:p>
+            <a:r>
+              <a:rPr lang="en-CA" dirty="0" smtClean="0"/>
+              <a:t>TCP vs Message Queue</a:t>
             </a:r>
           </a:p>
           <a:p>
             <a:pPr lvl="1"/>
             <a:r>
               <a:rPr lang="en-CA" dirty="0" smtClean="0"/>
-              <a:t>Message Queues</a:t>
+              <a:t>Request Response Queues</a:t>
+            </a:r>
+          </a:p>
+          <a:p>
+            <a:r>
+              <a:rPr lang="en-CA" dirty="0" smtClean="0"/>
+              <a:t>Sharing requests</a:t>
             </a:r>
           </a:p>
           <a:p>
             <a:pPr lvl="1"/>
             <a:r>
               <a:rPr lang="en-CA" dirty="0" smtClean="0"/>
-              <a:t>Replication</a:t>
-            </a:r>
-          </a:p>
-          <a:p>
+              <a:t>User 1 asks server to share game</a:t>
+            </a:r>
+          </a:p>
+          <a:p>
+            <a:pPr lvl="1"/>
             <a:r>
               <a:rPr lang="en-CA" dirty="0" smtClean="0"/>
-              <a:t>Integration Issues</a:t>
+              <a:t>Server notifies User 1 &amp; 2</a:t>
             </a:r>
           </a:p>
           <a:p>
             <a:pPr lvl="1"/>
             <a:r>
               <a:rPr lang="en-CA" dirty="0" smtClean="0"/>
-              <a:t>Co-operation with Valve</a:t>
-            </a:r>
-          </a:p>
-          <a:p>
-            <a:pPr marL="457200" lvl="1" indent="0">
-              <a:buNone/>
-            </a:pPr>
-            <a:endParaRPr lang="en-CA" dirty="0"/>
+              <a:t>TCP connection establishes between User 1 &amp; 2</a:t>
+            </a:r>
           </a:p>
         </p:txBody>
       </p:sp>
     </p:spTree>
     <p:extLst>
       <p:ext uri="{BB962C8B-B14F-4D97-AF65-F5344CB8AC3E}">
-        <p14:creationId xmlns:p14="http://schemas.microsoft.com/office/powerpoint/2010/main" val="2495227779"/>
+        <p14:creationId xmlns:p14="http://schemas.microsoft.com/office/powerpoint/2010/main" val="2152890128"/>
       </p:ext>
     </p:extLst>
   </p:cSld>
